--- a/soa_rest/illus.pptx
+++ b/soa_rest/illus.pptx
@@ -13156,11 +13156,6 @@
               </a:rPr>
               <a:t>Application Cœur Métier</a:t>
             </a:r>
-            <a:endParaRPr lang="fr-FR" sz="1400" b="1" dirty="0">
-              <a:solidFill>
-                <a:schemeClr val="accent6"/>
-              </a:solidFill>
-            </a:endParaRPr>
           </a:p>
         </p:txBody>
       </p:sp>
@@ -13207,11 +13202,6 @@
               </a:rPr>
               <a:t>CRM</a:t>
             </a:r>
-            <a:endParaRPr lang="fr-FR" sz="1400" b="1" dirty="0">
-              <a:solidFill>
-                <a:schemeClr val="accent6"/>
-              </a:solidFill>
-            </a:endParaRPr>
           </a:p>
         </p:txBody>
       </p:sp>
@@ -13523,11 +13513,6 @@
               </a:rPr>
               <a:t>Produit</a:t>
             </a:r>
-            <a:endParaRPr lang="fr-FR" sz="1400" b="1" dirty="0">
-              <a:solidFill>
-                <a:schemeClr val="bg1"/>
-              </a:solidFill>
-            </a:endParaRPr>
           </a:p>
         </p:txBody>
       </p:sp>
@@ -13574,11 +13559,6 @@
               </a:rPr>
               <a:t>Produit</a:t>
             </a:r>
-            <a:endParaRPr lang="fr-FR" sz="1400" b="1" dirty="0">
-              <a:solidFill>
-                <a:schemeClr val="accent1"/>
-              </a:solidFill>
-            </a:endParaRPr>
           </a:p>
         </p:txBody>
       </p:sp>
@@ -13621,14 +13601,291 @@
       </p:grpSpPr>
       <p:sp>
         <p:nvSpPr>
+          <p:cNvPr id="54" name="Flèche vers la droite 53"/>
+          <p:cNvSpPr/>
+          <p:nvPr/>
+        </p:nvSpPr>
+        <p:spPr>
+          <a:xfrm>
+            <a:off x="2235765" y="2146188"/>
+            <a:ext cx="953349" cy="422909"/>
+          </a:xfrm>
+          <a:prstGeom prst="rightArrow">
+            <a:avLst>
+              <a:gd name="adj1" fmla="val 45381"/>
+              <a:gd name="adj2" fmla="val 67667"/>
+            </a:avLst>
+          </a:prstGeom>
+          <a:ln>
+            <a:solidFill>
+              <a:schemeClr val="accent1"/>
+            </a:solidFill>
+          </a:ln>
+          <a:effectLst/>
+        </p:spPr>
+        <p:style>
+          <a:lnRef idx="3">
+            <a:schemeClr val="lt1"/>
+          </a:lnRef>
+          <a:fillRef idx="1">
+            <a:schemeClr val="accent1"/>
+          </a:fillRef>
+          <a:effectRef idx="1">
+            <a:schemeClr val="accent1"/>
+          </a:effectRef>
+          <a:fontRef idx="minor">
+            <a:schemeClr val="lt1"/>
+          </a:fontRef>
+        </p:style>
+        <p:txBody>
+          <a:bodyPr vert="horz" wrap="square" lIns="91440" tIns="45720" rIns="91440" bIns="45720" numCol="1" rtlCol="0" anchor="ctr" anchorCtr="0" compatLnSpc="1">
+            <a:prstTxWarp prst="textNoShape">
+              <a:avLst/>
+            </a:prstTxWarp>
+          </a:bodyPr>
+          <a:lstStyle/>
+          <a:p>
+            <a:pPr marL="0" marR="0" indent="0" algn="ctr" defTabSz="914400" rtl="0" eaLnBrk="0" fontAlgn="base" latinLnBrk="0" hangingPunct="0">
+              <a:lnSpc>
+                <a:spcPct val="100000"/>
+              </a:lnSpc>
+              <a:spcBef>
+                <a:spcPct val="0"/>
+              </a:spcBef>
+              <a:spcAft>
+                <a:spcPct val="0"/>
+              </a:spcAft>
+              <a:buClrTx/>
+              <a:buSzTx/>
+              <a:buFontTx/>
+              <a:buNone/>
+              <a:tabLst/>
+            </a:pPr>
+            <a:endParaRPr kumimoji="0" lang="fr-FR" sz="1200" b="0" i="0" u="none" strike="noStrike" cap="none" normalizeH="0" baseline="0" dirty="0" smtClean="0">
+              <a:ln>
+                <a:noFill/>
+              </a:ln>
+              <a:solidFill>
+                <a:schemeClr val="bg1"/>
+              </a:solidFill>
+              <a:effectLst/>
+              <a:latin typeface="+mn-lt"/>
+            </a:endParaRPr>
+          </a:p>
+        </p:txBody>
+      </p:sp>
+      <p:sp>
+        <p:nvSpPr>
+          <p:cNvPr id="38" name="Flèche vers la droite 37"/>
+          <p:cNvSpPr/>
+          <p:nvPr/>
+        </p:nvSpPr>
+        <p:spPr>
+          <a:xfrm>
+            <a:off x="5253193" y="2146188"/>
+            <a:ext cx="1390851" cy="422909"/>
+          </a:xfrm>
+          <a:prstGeom prst="rightArrow">
+            <a:avLst>
+              <a:gd name="adj1" fmla="val 45381"/>
+              <a:gd name="adj2" fmla="val 67667"/>
+            </a:avLst>
+          </a:prstGeom>
+          <a:ln>
+            <a:solidFill>
+              <a:schemeClr val="accent1"/>
+            </a:solidFill>
+          </a:ln>
+          <a:effectLst/>
+        </p:spPr>
+        <p:style>
+          <a:lnRef idx="3">
+            <a:schemeClr val="lt1"/>
+          </a:lnRef>
+          <a:fillRef idx="1">
+            <a:schemeClr val="accent1"/>
+          </a:fillRef>
+          <a:effectRef idx="1">
+            <a:schemeClr val="accent1"/>
+          </a:effectRef>
+          <a:fontRef idx="minor">
+            <a:schemeClr val="lt1"/>
+          </a:fontRef>
+        </p:style>
+        <p:txBody>
+          <a:bodyPr vert="horz" wrap="square" lIns="91440" tIns="45720" rIns="91440" bIns="45720" numCol="1" rtlCol="0" anchor="ctr" anchorCtr="0" compatLnSpc="1">
+            <a:prstTxWarp prst="textNoShape">
+              <a:avLst/>
+            </a:prstTxWarp>
+          </a:bodyPr>
+          <a:lstStyle/>
+          <a:p>
+            <a:pPr marL="0" marR="0" indent="0" algn="ctr" defTabSz="914400" rtl="0" eaLnBrk="0" fontAlgn="base" latinLnBrk="0" hangingPunct="0">
+              <a:lnSpc>
+                <a:spcPct val="100000"/>
+              </a:lnSpc>
+              <a:spcBef>
+                <a:spcPct val="0"/>
+              </a:spcBef>
+              <a:spcAft>
+                <a:spcPct val="0"/>
+              </a:spcAft>
+              <a:buClrTx/>
+              <a:buSzTx/>
+              <a:buFontTx/>
+              <a:buNone/>
+              <a:tabLst/>
+            </a:pPr>
+            <a:r>
+              <a:rPr kumimoji="0" lang="fr-FR" sz="1200" b="0" i="0" u="none" strike="noStrike" cap="none" normalizeH="0" baseline="0" dirty="0" smtClean="0">
+                <a:ln>
+                  <a:noFill/>
+                </a:ln>
+                <a:solidFill>
+                  <a:schemeClr val="bg1"/>
+                </a:solidFill>
+                <a:effectLst/>
+                <a:latin typeface="+mn-lt"/>
+              </a:rPr>
+              <a:t>Préférable</a:t>
+            </a:r>
+            <a:endParaRPr kumimoji="0" lang="fr-FR" sz="1200" b="0" i="0" u="none" strike="noStrike" cap="none" normalizeH="0" baseline="0" dirty="0" smtClean="0">
+              <a:ln>
+                <a:noFill/>
+              </a:ln>
+              <a:solidFill>
+                <a:schemeClr val="bg1"/>
+              </a:solidFill>
+              <a:effectLst/>
+              <a:latin typeface="+mn-lt"/>
+            </a:endParaRPr>
+          </a:p>
+        </p:txBody>
+      </p:sp>
+      <p:grpSp>
+        <p:nvGrpSpPr>
+          <p:cNvPr id="22" name="Grouper 21"/>
+          <p:cNvGrpSpPr/>
+          <p:nvPr/>
+        </p:nvGrpSpPr>
+        <p:grpSpPr>
+          <a:xfrm>
+            <a:off x="178554" y="1524048"/>
+            <a:ext cx="2520000" cy="1667188"/>
+            <a:chOff x="241524" y="2815171"/>
+            <a:chExt cx="2520000" cy="1667188"/>
+          </a:xfrm>
+        </p:grpSpPr>
+        <p:sp>
+          <p:nvSpPr>
+            <p:cNvPr id="13" name="Rectangle à coins arrondis 12"/>
+            <p:cNvSpPr/>
+            <p:nvPr/>
+          </p:nvSpPr>
+          <p:spPr>
+            <a:xfrm>
+              <a:off x="241524" y="2815171"/>
+              <a:ext cx="2520000" cy="1655993"/>
+            </a:xfrm>
+            <a:prstGeom prst="roundRect">
+              <a:avLst/>
+            </a:prstGeom>
+            <a:ln w="12700" cmpd="sng"/>
+          </p:spPr>
+          <p:style>
+            <a:lnRef idx="2">
+              <a:schemeClr val="accent6"/>
+            </a:lnRef>
+            <a:fillRef idx="1">
+              <a:schemeClr val="lt1"/>
+            </a:fillRef>
+            <a:effectRef idx="0">
+              <a:schemeClr val="accent6"/>
+            </a:effectRef>
+            <a:fontRef idx="minor">
+              <a:schemeClr val="dk1"/>
+            </a:fontRef>
+          </p:style>
+          <p:txBody>
+            <a:bodyPr anchor="t" anchorCtr="0"/>
+            <a:lstStyle/>
+            <a:p>
+              <a:pPr algn="ctr"/>
+              <a:r>
+                <a:rPr lang="fr-FR" sz="1400" b="1" dirty="0" smtClean="0">
+                  <a:solidFill>
+                    <a:schemeClr val="accent6"/>
+                  </a:solidFill>
+                </a:rPr>
+                <a:t>Un consommateur demande un nouveau service à une application</a:t>
+              </a:r>
+              <a:endParaRPr lang="fr-FR" sz="1400" b="1" dirty="0">
+                <a:solidFill>
+                  <a:schemeClr val="accent6"/>
+                </a:solidFill>
+              </a:endParaRPr>
+            </a:p>
+          </p:txBody>
+        </p:sp>
+        <p:pic>
+          <p:nvPicPr>
+            <p:cNvPr id="2" name="Image 1"/>
+            <p:cNvPicPr>
+              <a:picLocks noChangeAspect="1"/>
+            </p:cNvPicPr>
+            <p:nvPr/>
+          </p:nvPicPr>
+          <p:blipFill>
+            <a:blip r:embed="rId2"/>
+            <a:stretch>
+              <a:fillRect/>
+            </a:stretch>
+          </p:blipFill>
+          <p:spPr>
+            <a:xfrm>
+              <a:off x="1318850" y="3517682"/>
+              <a:ext cx="1068380" cy="964677"/>
+            </a:xfrm>
+            <a:prstGeom prst="rect">
+              <a:avLst/>
+            </a:prstGeom>
+          </p:spPr>
+        </p:pic>
+        <p:pic>
+          <p:nvPicPr>
+            <p:cNvPr id="3" name="Image 2"/>
+            <p:cNvPicPr>
+              <a:picLocks noChangeAspect="1"/>
+            </p:cNvPicPr>
+            <p:nvPr/>
+          </p:nvPicPr>
+          <p:blipFill>
+            <a:blip r:embed="rId3"/>
+            <a:stretch>
+              <a:fillRect/>
+            </a:stretch>
+          </p:blipFill>
+          <p:spPr>
+            <a:xfrm>
+              <a:off x="768564" y="3656553"/>
+              <a:ext cx="550286" cy="720000"/>
+            </a:xfrm>
+            <a:prstGeom prst="rect">
+              <a:avLst/>
+            </a:prstGeom>
+          </p:spPr>
+        </p:pic>
+      </p:grpSp>
+      <p:sp>
+        <p:nvSpPr>
           <p:cNvPr id="14" name="Rectangle à coins arrondis 13"/>
           <p:cNvSpPr/>
           <p:nvPr/>
         </p:nvSpPr>
         <p:spPr>
           <a:xfrm>
-            <a:off x="2966402" y="2918763"/>
-            <a:ext cx="2520000" cy="1439990"/>
+            <a:off x="3210104" y="922310"/>
+            <a:ext cx="2232000" cy="2870665"/>
           </a:xfrm>
           <a:prstGeom prst="roundRect">
             <a:avLst/>
@@ -13670,40 +13927,171 @@
           </a:p>
         </p:txBody>
       </p:sp>
-      <p:pic>
-        <p:nvPicPr>
-          <p:cNvPr id="15" name="Image 14"/>
-          <p:cNvPicPr>
-            <a:picLocks noChangeAspect="1"/>
-          </p:cNvPicPr>
+      <p:grpSp>
+        <p:nvGrpSpPr>
+          <p:cNvPr id="39" name="Grouper 38"/>
+          <p:cNvGrpSpPr/>
           <p:nvPr/>
-        </p:nvPicPr>
-        <p:blipFill>
-          <a:blip r:embed="rId2"/>
-          <a:stretch>
-            <a:fillRect/>
-          </a:stretch>
-        </p:blipFill>
-        <p:spPr>
-          <a:xfrm>
-            <a:off x="4567041" y="3315845"/>
-            <a:ext cx="1068380" cy="964677"/>
-          </a:xfrm>
-          <a:prstGeom prst="rect">
-            <a:avLst/>
-          </a:prstGeom>
-        </p:spPr>
-      </p:pic>
-      <p:sp>
-        <p:nvSpPr>
-          <p:cNvPr id="13" name="Rectangle à coins arrondis 12"/>
+        </p:nvGrpSpPr>
+        <p:grpSpPr>
+          <a:xfrm>
+            <a:off x="3372463" y="1536411"/>
+            <a:ext cx="2201142" cy="1974729"/>
+            <a:chOff x="3190805" y="1536411"/>
+            <a:chExt cx="2201142" cy="1974729"/>
+          </a:xfrm>
+        </p:grpSpPr>
+        <p:sp>
+          <p:nvSpPr>
+            <p:cNvPr id="29" name="Bouée 28"/>
+            <p:cNvSpPr/>
+            <p:nvPr/>
+          </p:nvSpPr>
+          <p:spPr>
+            <a:xfrm>
+              <a:off x="3465948" y="1950367"/>
+              <a:ext cx="1331999" cy="1308161"/>
+            </a:xfrm>
+            <a:prstGeom prst="donut">
+              <a:avLst>
+                <a:gd name="adj" fmla="val 10160"/>
+              </a:avLst>
+            </a:prstGeom>
+            <a:ln>
+              <a:noFill/>
+            </a:ln>
+          </p:spPr>
+          <p:style>
+            <a:lnRef idx="2">
+              <a:schemeClr val="accent1">
+                <a:shade val="50000"/>
+              </a:schemeClr>
+            </a:lnRef>
+            <a:fillRef idx="1">
+              <a:schemeClr val="accent1"/>
+            </a:fillRef>
+            <a:effectRef idx="0">
+              <a:schemeClr val="accent1"/>
+            </a:effectRef>
+            <a:fontRef idx="minor">
+              <a:schemeClr val="lt1"/>
+            </a:fontRef>
+          </p:style>
+          <p:txBody>
+            <a:bodyPr/>
+            <a:lstStyle/>
+            <a:p>
+              <a:endParaRPr lang="fr-FR"/>
+            </a:p>
+          </p:txBody>
+        </p:sp>
+        <p:pic>
+          <p:nvPicPr>
+            <p:cNvPr id="15" name="Image 14"/>
+            <p:cNvPicPr>
+              <a:picLocks noChangeAspect="1"/>
+            </p:cNvPicPr>
+            <p:nvPr/>
+          </p:nvPicPr>
+          <p:blipFill>
+            <a:blip r:embed="rId2"/>
+            <a:stretch>
+              <a:fillRect/>
+            </a:stretch>
+          </p:blipFill>
+          <p:spPr>
+            <a:xfrm>
+              <a:off x="4323567" y="1536411"/>
+              <a:ext cx="1068380" cy="964677"/>
+            </a:xfrm>
+            <a:prstGeom prst="rect">
+              <a:avLst/>
+            </a:prstGeom>
+          </p:spPr>
+        </p:pic>
+        <p:pic>
+          <p:nvPicPr>
+            <p:cNvPr id="16" name="Image 15"/>
+            <p:cNvPicPr>
+              <a:picLocks noChangeAspect="1"/>
+            </p:cNvPicPr>
+            <p:nvPr/>
+          </p:nvPicPr>
+          <p:blipFill>
+            <a:blip r:embed="rId3"/>
+            <a:stretch>
+              <a:fillRect/>
+            </a:stretch>
+          </p:blipFill>
+          <p:spPr>
+            <a:xfrm>
+              <a:off x="3190805" y="2791140"/>
+              <a:ext cx="550286" cy="720000"/>
+            </a:xfrm>
+            <a:prstGeom prst="rect">
+              <a:avLst/>
+            </a:prstGeom>
+          </p:spPr>
+        </p:pic>
+        <p:pic>
+          <p:nvPicPr>
+            <p:cNvPr id="19" name="Image 18"/>
+            <p:cNvPicPr>
+              <a:picLocks noChangeAspect="1"/>
+            </p:cNvPicPr>
+            <p:nvPr/>
+          </p:nvPicPr>
+          <p:blipFill>
+            <a:blip r:embed="rId3"/>
+            <a:stretch>
+              <a:fillRect/>
+            </a:stretch>
+          </p:blipFill>
+          <p:spPr>
+            <a:xfrm>
+              <a:off x="3190805" y="1697755"/>
+              <a:ext cx="550286" cy="720000"/>
+            </a:xfrm>
+            <a:prstGeom prst="rect">
+              <a:avLst/>
+            </a:prstGeom>
+          </p:spPr>
+        </p:pic>
+        <p:pic>
+          <p:nvPicPr>
+            <p:cNvPr id="20" name="Image 19"/>
+            <p:cNvPicPr>
+              <a:picLocks noChangeAspect="1"/>
+            </p:cNvPicPr>
+            <p:nvPr/>
+          </p:nvPicPr>
+          <p:blipFill>
+            <a:blip r:embed="rId3"/>
+            <a:stretch>
+              <a:fillRect/>
+            </a:stretch>
+          </p:blipFill>
+          <p:spPr>
+            <a:xfrm>
+              <a:off x="4562438" y="2791140"/>
+              <a:ext cx="550286" cy="720000"/>
+            </a:xfrm>
+            <a:prstGeom prst="rect">
+              <a:avLst/>
+            </a:prstGeom>
+          </p:spPr>
+        </p:pic>
+      </p:grpSp>
+      <p:sp>
+        <p:nvSpPr>
+          <p:cNvPr id="40" name="Rectangle à coins arrondis 39"/>
           <p:cNvSpPr/>
           <p:nvPr/>
         </p:nvSpPr>
         <p:spPr>
           <a:xfrm>
-            <a:off x="241524" y="2815171"/>
-            <a:ext cx="2520000" cy="1655993"/>
+            <a:off x="6644045" y="3896923"/>
+            <a:ext cx="2232000" cy="1439990"/>
           </a:xfrm>
           <a:prstGeom prst="roundRect">
             <a:avLst/>
@@ -13735,7 +14123,18 @@
                   <a:schemeClr val="accent6"/>
                 </a:solidFill>
               </a:rPr>
-              <a:t>Un consommateur demande un nouveau service à une application</a:t>
+              <a:t>Besoin spécifique =</a:t>
+            </a:r>
+          </a:p>
+          <a:p>
+            <a:pPr algn="ctr"/>
+            <a:r>
+              <a:rPr lang="fr-FR" sz="1400" b="1" dirty="0" smtClean="0">
+                <a:solidFill>
+                  <a:schemeClr val="accent6"/>
+                </a:solidFill>
+              </a:rPr>
+              <a:t>design custom</a:t>
             </a:r>
             <a:endParaRPr lang="fr-FR" sz="1400" b="1" dirty="0">
               <a:solidFill>
@@ -13745,139 +14144,81 @@
           </a:p>
         </p:txBody>
       </p:sp>
-      <p:pic>
-        <p:nvPicPr>
-          <p:cNvPr id="2" name="Image 1"/>
-          <p:cNvPicPr>
-            <a:picLocks noChangeAspect="1"/>
-          </p:cNvPicPr>
+      <p:grpSp>
+        <p:nvGrpSpPr>
+          <p:cNvPr id="51" name="Grouper 50"/>
+          <p:cNvGrpSpPr/>
           <p:nvPr/>
-        </p:nvPicPr>
-        <p:blipFill>
-          <a:blip r:embed="rId2"/>
-          <a:stretch>
-            <a:fillRect/>
-          </a:stretch>
-        </p:blipFill>
-        <p:spPr>
-          <a:xfrm>
-            <a:off x="1318850" y="3517682"/>
-            <a:ext cx="1068380" cy="964677"/>
-          </a:xfrm>
-          <a:prstGeom prst="rect">
-            <a:avLst/>
-          </a:prstGeom>
-        </p:spPr>
-      </p:pic>
-      <p:pic>
-        <p:nvPicPr>
-          <p:cNvPr id="3" name="Image 2"/>
-          <p:cNvPicPr>
-            <a:picLocks noChangeAspect="1"/>
-          </p:cNvPicPr>
-          <p:nvPr/>
-        </p:nvPicPr>
-        <p:blipFill>
-          <a:blip r:embed="rId3"/>
-          <a:stretch>
-            <a:fillRect/>
-          </a:stretch>
-        </p:blipFill>
-        <p:spPr>
-          <a:xfrm>
-            <a:off x="768564" y="3656553"/>
-            <a:ext cx="550286" cy="720000"/>
-          </a:xfrm>
-          <a:prstGeom prst="rect">
-            <a:avLst/>
-          </a:prstGeom>
-        </p:spPr>
-      </p:pic>
-      <p:pic>
-        <p:nvPicPr>
-          <p:cNvPr id="16" name="Image 15"/>
-          <p:cNvPicPr>
-            <a:picLocks noChangeAspect="1"/>
-          </p:cNvPicPr>
-          <p:nvPr/>
-        </p:nvPicPr>
-        <p:blipFill>
-          <a:blip r:embed="rId3"/>
-          <a:stretch>
-            <a:fillRect/>
-          </a:stretch>
-        </p:blipFill>
-        <p:spPr>
-          <a:xfrm>
-            <a:off x="3689907" y="3462054"/>
-            <a:ext cx="550286" cy="720000"/>
-          </a:xfrm>
-          <a:prstGeom prst="rect">
-            <a:avLst/>
-          </a:prstGeom>
-        </p:spPr>
-      </p:pic>
-      <p:pic>
-        <p:nvPicPr>
-          <p:cNvPr id="19" name="Image 18"/>
-          <p:cNvPicPr>
-            <a:picLocks noChangeAspect="1"/>
-          </p:cNvPicPr>
-          <p:nvPr/>
-        </p:nvPicPr>
-        <p:blipFill>
-          <a:blip r:embed="rId3"/>
-          <a:stretch>
-            <a:fillRect/>
-          </a:stretch>
-        </p:blipFill>
-        <p:spPr>
-          <a:xfrm>
-            <a:off x="3139621" y="3462054"/>
-            <a:ext cx="550286" cy="720000"/>
-          </a:xfrm>
-          <a:prstGeom prst="rect">
-            <a:avLst/>
-          </a:prstGeom>
-        </p:spPr>
-      </p:pic>
-      <p:pic>
-        <p:nvPicPr>
-          <p:cNvPr id="20" name="Image 19"/>
-          <p:cNvPicPr>
-            <a:picLocks noChangeAspect="1"/>
-          </p:cNvPicPr>
-          <p:nvPr/>
-        </p:nvPicPr>
-        <p:blipFill>
-          <a:blip r:embed="rId3"/>
-          <a:stretch>
-            <a:fillRect/>
-          </a:stretch>
-        </p:blipFill>
-        <p:spPr>
-          <a:xfrm>
-            <a:off x="4253925" y="3462054"/>
-            <a:ext cx="550286" cy="720000"/>
-          </a:xfrm>
-          <a:prstGeom prst="rect">
-            <a:avLst/>
-          </a:prstGeom>
-        </p:spPr>
-      </p:pic>
+        </p:nvGrpSpPr>
+        <p:grpSpPr>
+          <a:xfrm>
+            <a:off x="7149417" y="4372236"/>
+            <a:ext cx="1618666" cy="964677"/>
+            <a:chOff x="6876547" y="4372236"/>
+            <a:chExt cx="1618666" cy="964677"/>
+          </a:xfrm>
+        </p:grpSpPr>
+        <p:pic>
+          <p:nvPicPr>
+            <p:cNvPr id="41" name="Image 40"/>
+            <p:cNvPicPr>
+              <a:picLocks noChangeAspect="1"/>
+            </p:cNvPicPr>
+            <p:nvPr/>
+          </p:nvPicPr>
+          <p:blipFill>
+            <a:blip r:embed="rId2"/>
+            <a:stretch>
+              <a:fillRect/>
+            </a:stretch>
+          </p:blipFill>
+          <p:spPr>
+            <a:xfrm>
+              <a:off x="7426833" y="4372236"/>
+              <a:ext cx="1068380" cy="964677"/>
+            </a:xfrm>
+            <a:prstGeom prst="rect">
+              <a:avLst/>
+            </a:prstGeom>
+          </p:spPr>
+        </p:pic>
+        <p:pic>
+          <p:nvPicPr>
+            <p:cNvPr id="42" name="Image 41"/>
+            <p:cNvPicPr>
+              <a:picLocks noChangeAspect="1"/>
+            </p:cNvPicPr>
+            <p:nvPr/>
+          </p:nvPicPr>
+          <p:blipFill>
+            <a:blip r:embed="rId3"/>
+            <a:stretch>
+              <a:fillRect/>
+            </a:stretch>
+          </p:blipFill>
+          <p:spPr>
+            <a:xfrm>
+              <a:off x="6876547" y="4511107"/>
+              <a:ext cx="550286" cy="720000"/>
+            </a:xfrm>
+            <a:prstGeom prst="rect">
+              <a:avLst/>
+            </a:prstGeom>
+          </p:spPr>
+        </p:pic>
+      </p:grpSp>
       <p:cxnSp>
         <p:nvCxnSpPr>
-          <p:cNvPr id="5" name="Connecteur droit avec flèche 4"/>
+          <p:cNvPr id="43" name="Connecteur droit avec flèche 42"/>
           <p:cNvCxnSpPr>
-            <a:stCxn id="13" idx="3"/>
-            <a:endCxn id="14" idx="1"/>
+            <a:endCxn id="40" idx="1"/>
           </p:cNvCxnSpPr>
           <p:nvPr/>
         </p:nvCxnSpPr>
         <p:spPr bwMode="auto">
-          <a:xfrm flipV="1">
-            <a:off x="2761524" y="3638758"/>
-            <a:ext cx="204878" cy="4410"/>
+          <a:xfrm>
+            <a:off x="5442104" y="3180041"/>
+            <a:ext cx="1201941" cy="1436877"/>
           </a:xfrm>
           <a:prstGeom prst="straightConnector1">
             <a:avLst/>
@@ -13885,9 +14226,9 @@
           <a:solidFill>
             <a:schemeClr val="accent1"/>
           </a:solidFill>
-          <a:ln w="28575" cap="flat" cmpd="sng" algn="ctr">
+          <a:ln w="38100" cap="flat" cmpd="sng" algn="ctr">
             <a:solidFill>
-              <a:schemeClr val="accent6"/>
+              <a:srgbClr val="00A2D8"/>
             </a:solidFill>
             <a:prstDash val="solid"/>
             <a:round/>
@@ -13899,14 +14240,14 @@
       </p:cxnSp>
       <p:sp>
         <p:nvSpPr>
-          <p:cNvPr id="23" name="Rectangle à coins arrondis 22"/>
+          <p:cNvPr id="44" name="Rectangle à coins arrondis 43"/>
           <p:cNvSpPr/>
           <p:nvPr/>
         </p:nvSpPr>
         <p:spPr>
           <a:xfrm>
-            <a:off x="6041195" y="2150522"/>
-            <a:ext cx="2520000" cy="1439990"/>
+            <a:off x="6644045" y="922310"/>
+            <a:ext cx="2232000" cy="2870665"/>
           </a:xfrm>
           <a:prstGeom prst="roundRect">
             <a:avLst/>
@@ -13933,7 +14274,7 @@
           <a:p>
             <a:pPr algn="ctr"/>
             <a:r>
-              <a:rPr lang="fr-FR" sz="1400" b="1" dirty="0" smtClean="0">
+              <a:rPr lang="fr-FR" sz="1400" b="1" dirty="0">
                 <a:solidFill>
                   <a:schemeClr val="accent6"/>
                 </a:solidFill>
@@ -13948,276 +14289,161 @@
           </a:p>
         </p:txBody>
       </p:sp>
-      <p:pic>
-        <p:nvPicPr>
-          <p:cNvPr id="24" name="Image 23"/>
-          <p:cNvPicPr>
-            <a:picLocks noChangeAspect="1"/>
-          </p:cNvPicPr>
+      <p:grpSp>
+        <p:nvGrpSpPr>
+          <p:cNvPr id="45" name="Grouper 44"/>
+          <p:cNvGrpSpPr/>
           <p:nvPr/>
-        </p:nvPicPr>
-        <p:blipFill>
-          <a:blip r:embed="rId2"/>
-          <a:stretch>
-            <a:fillRect/>
-          </a:stretch>
-        </p:blipFill>
-        <p:spPr>
-          <a:xfrm>
-            <a:off x="7664600" y="2625835"/>
-            <a:ext cx="1068380" cy="964677"/>
-          </a:xfrm>
-          <a:prstGeom prst="rect">
-            <a:avLst/>
-          </a:prstGeom>
-        </p:spPr>
-      </p:pic>
-      <p:pic>
-        <p:nvPicPr>
-          <p:cNvPr id="25" name="Image 24"/>
-          <p:cNvPicPr>
-            <a:picLocks noChangeAspect="1"/>
-          </p:cNvPicPr>
-          <p:nvPr/>
-        </p:nvPicPr>
-        <p:blipFill>
-          <a:blip r:embed="rId3"/>
-          <a:stretch>
-            <a:fillRect/>
-          </a:stretch>
-        </p:blipFill>
-        <p:spPr>
-          <a:xfrm>
-            <a:off x="6787466" y="2772044"/>
-            <a:ext cx="550286" cy="720000"/>
-          </a:xfrm>
-          <a:prstGeom prst="rect">
-            <a:avLst/>
-          </a:prstGeom>
-        </p:spPr>
-      </p:pic>
-      <p:pic>
-        <p:nvPicPr>
-          <p:cNvPr id="26" name="Image 25"/>
-          <p:cNvPicPr>
-            <a:picLocks noChangeAspect="1"/>
-          </p:cNvPicPr>
-          <p:nvPr/>
-        </p:nvPicPr>
-        <p:blipFill>
-          <a:blip r:embed="rId3"/>
-          <a:stretch>
-            <a:fillRect/>
-          </a:stretch>
-        </p:blipFill>
-        <p:spPr>
-          <a:xfrm>
-            <a:off x="6237180" y="2772044"/>
-            <a:ext cx="550286" cy="720000"/>
-          </a:xfrm>
-          <a:prstGeom prst="rect">
-            <a:avLst/>
-          </a:prstGeom>
-        </p:spPr>
-      </p:pic>
-      <p:pic>
-        <p:nvPicPr>
-          <p:cNvPr id="27" name="Image 26"/>
-          <p:cNvPicPr>
-            <a:picLocks noChangeAspect="1"/>
-          </p:cNvPicPr>
-          <p:nvPr/>
-        </p:nvPicPr>
-        <p:blipFill>
-          <a:blip r:embed="rId3"/>
-          <a:stretch>
-            <a:fillRect/>
-          </a:stretch>
-        </p:blipFill>
-        <p:spPr>
-          <a:xfrm>
-            <a:off x="7351484" y="2772044"/>
-            <a:ext cx="550286" cy="720000"/>
-          </a:xfrm>
-          <a:prstGeom prst="rect">
-            <a:avLst/>
-          </a:prstGeom>
-        </p:spPr>
-      </p:pic>
-      <p:cxnSp>
-        <p:nvCxnSpPr>
-          <p:cNvPr id="28" name="Connecteur droit avec flèche 27"/>
-          <p:cNvCxnSpPr>
-            <a:stCxn id="14" idx="3"/>
-            <a:endCxn id="23" idx="1"/>
-          </p:cNvCxnSpPr>
-          <p:nvPr/>
-        </p:nvCxnSpPr>
-        <p:spPr bwMode="auto">
-          <a:xfrm flipV="1">
-            <a:off x="5486402" y="2870517"/>
-            <a:ext cx="554793" cy="768241"/>
-          </a:xfrm>
-          <a:prstGeom prst="straightConnector1">
-            <a:avLst/>
-          </a:prstGeom>
-          <a:solidFill>
-            <a:schemeClr val="accent1"/>
-          </a:solidFill>
-          <a:ln w="28575" cap="flat" cmpd="sng" algn="ctr">
-            <a:solidFill>
-              <a:schemeClr val="accent6"/>
-            </a:solidFill>
-            <a:prstDash val="solid"/>
-            <a:round/>
-            <a:headEnd type="none" w="med" len="med"/>
-            <a:tailEnd type="arrow"/>
-          </a:ln>
-          <a:effectLst/>
-        </p:spPr>
-      </p:cxnSp>
-      <p:sp>
-        <p:nvSpPr>
-          <p:cNvPr id="40" name="Rectangle à coins arrondis 39"/>
-          <p:cNvSpPr/>
-          <p:nvPr/>
-        </p:nvSpPr>
-        <p:spPr>
-          <a:xfrm>
-            <a:off x="6041195" y="3687003"/>
-            <a:ext cx="2520000" cy="1439990"/>
-          </a:xfrm>
-          <a:prstGeom prst="roundRect">
-            <a:avLst/>
-          </a:prstGeom>
-          <a:ln w="12700" cmpd="sng"/>
-        </p:spPr>
-        <p:style>
-          <a:lnRef idx="2">
-            <a:schemeClr val="accent6"/>
-          </a:lnRef>
-          <a:fillRef idx="1">
-            <a:schemeClr val="lt1"/>
-          </a:fillRef>
-          <a:effectRef idx="0">
-            <a:schemeClr val="accent6"/>
-          </a:effectRef>
-          <a:fontRef idx="minor">
-            <a:schemeClr val="dk1"/>
-          </a:fontRef>
-        </p:style>
-        <p:txBody>
-          <a:bodyPr anchor="t" anchorCtr="0"/>
-          <a:lstStyle/>
-          <a:p>
-            <a:pPr algn="ctr"/>
-            <a:r>
-              <a:rPr lang="fr-FR" sz="1400" b="1" dirty="0" smtClean="0">
-                <a:solidFill>
-                  <a:schemeClr val="accent6"/>
-                </a:solidFill>
-              </a:rPr>
-              <a:t>Besoin spécifique =</a:t>
-            </a:r>
-          </a:p>
-          <a:p>
-            <a:pPr algn="ctr"/>
-            <a:r>
-              <a:rPr lang="fr-FR" sz="1400" b="1" dirty="0" smtClean="0">
-                <a:solidFill>
-                  <a:schemeClr val="accent6"/>
-                </a:solidFill>
-              </a:rPr>
-              <a:t>design custom</a:t>
-            </a:r>
-            <a:endParaRPr lang="fr-FR" sz="1400" b="1" dirty="0">
-              <a:solidFill>
-                <a:schemeClr val="accent6"/>
-              </a:solidFill>
-            </a:endParaRPr>
-          </a:p>
-        </p:txBody>
-      </p:sp>
-      <p:pic>
-        <p:nvPicPr>
-          <p:cNvPr id="41" name="Image 40"/>
-          <p:cNvPicPr>
-            <a:picLocks noChangeAspect="1"/>
-          </p:cNvPicPr>
-          <p:nvPr/>
-        </p:nvPicPr>
-        <p:blipFill>
-          <a:blip r:embed="rId2"/>
-          <a:stretch>
-            <a:fillRect/>
-          </a:stretch>
-        </p:blipFill>
-        <p:spPr>
-          <a:xfrm>
-            <a:off x="7111983" y="4162316"/>
-            <a:ext cx="1068380" cy="964677"/>
-          </a:xfrm>
-          <a:prstGeom prst="rect">
-            <a:avLst/>
-          </a:prstGeom>
-        </p:spPr>
-      </p:pic>
-      <p:pic>
-        <p:nvPicPr>
-          <p:cNvPr id="42" name="Image 41"/>
-          <p:cNvPicPr>
-            <a:picLocks noChangeAspect="1"/>
-          </p:cNvPicPr>
-          <p:nvPr/>
-        </p:nvPicPr>
-        <p:blipFill>
-          <a:blip r:embed="rId3"/>
-          <a:stretch>
-            <a:fillRect/>
-          </a:stretch>
-        </p:blipFill>
-        <p:spPr>
-          <a:xfrm>
-            <a:off x="6561697" y="4301187"/>
-            <a:ext cx="550286" cy="720000"/>
-          </a:xfrm>
-          <a:prstGeom prst="rect">
-            <a:avLst/>
-          </a:prstGeom>
-        </p:spPr>
-      </p:pic>
-      <p:cxnSp>
-        <p:nvCxnSpPr>
-          <p:cNvPr id="43" name="Connecteur droit avec flèche 42"/>
-          <p:cNvCxnSpPr>
-            <a:stCxn id="14" idx="3"/>
-            <a:endCxn id="40" idx="1"/>
-          </p:cNvCxnSpPr>
-          <p:nvPr/>
-        </p:nvCxnSpPr>
-        <p:spPr bwMode="auto">
-          <a:xfrm>
-            <a:off x="5486402" y="3638758"/>
-            <a:ext cx="554793" cy="768240"/>
-          </a:xfrm>
-          <a:prstGeom prst="straightConnector1">
-            <a:avLst/>
-          </a:prstGeom>
-          <a:solidFill>
-            <a:schemeClr val="accent1"/>
-          </a:solidFill>
-          <a:ln w="28575" cap="flat" cmpd="sng" algn="ctr">
-            <a:solidFill>
-              <a:schemeClr val="accent6"/>
-            </a:solidFill>
-            <a:prstDash val="solid"/>
-            <a:round/>
-            <a:headEnd type="none" w="med" len="med"/>
-            <a:tailEnd type="arrow"/>
-          </a:ln>
-          <a:effectLst/>
-        </p:spPr>
-      </p:cxnSp>
+        </p:nvGrpSpPr>
+        <p:grpSpPr>
+          <a:xfrm>
+            <a:off x="6806404" y="1530813"/>
+            <a:ext cx="2201142" cy="1974729"/>
+            <a:chOff x="3190805" y="1536411"/>
+            <a:chExt cx="2201142" cy="1974729"/>
+          </a:xfrm>
+        </p:grpSpPr>
+        <p:sp>
+          <p:nvSpPr>
+            <p:cNvPr id="46" name="Bouée 45"/>
+            <p:cNvSpPr/>
+            <p:nvPr/>
+          </p:nvSpPr>
+          <p:spPr>
+            <a:xfrm>
+              <a:off x="3465948" y="1950367"/>
+              <a:ext cx="1331999" cy="1308161"/>
+            </a:xfrm>
+            <a:prstGeom prst="donut">
+              <a:avLst>
+                <a:gd name="adj" fmla="val 10160"/>
+              </a:avLst>
+            </a:prstGeom>
+            <a:ln>
+              <a:noFill/>
+            </a:ln>
+          </p:spPr>
+          <p:style>
+            <a:lnRef idx="2">
+              <a:schemeClr val="accent1">
+                <a:shade val="50000"/>
+              </a:schemeClr>
+            </a:lnRef>
+            <a:fillRef idx="1">
+              <a:schemeClr val="accent1"/>
+            </a:fillRef>
+            <a:effectRef idx="0">
+              <a:schemeClr val="accent1"/>
+            </a:effectRef>
+            <a:fontRef idx="minor">
+              <a:schemeClr val="lt1"/>
+            </a:fontRef>
+          </p:style>
+          <p:txBody>
+            <a:bodyPr/>
+            <a:lstStyle/>
+            <a:p>
+              <a:endParaRPr lang="fr-FR"/>
+            </a:p>
+          </p:txBody>
+        </p:sp>
+        <p:pic>
+          <p:nvPicPr>
+            <p:cNvPr id="47" name="Image 46"/>
+            <p:cNvPicPr>
+              <a:picLocks noChangeAspect="1"/>
+            </p:cNvPicPr>
+            <p:nvPr/>
+          </p:nvPicPr>
+          <p:blipFill>
+            <a:blip r:embed="rId2"/>
+            <a:stretch>
+              <a:fillRect/>
+            </a:stretch>
+          </p:blipFill>
+          <p:spPr>
+            <a:xfrm>
+              <a:off x="4323567" y="1536411"/>
+              <a:ext cx="1068380" cy="964677"/>
+            </a:xfrm>
+            <a:prstGeom prst="rect">
+              <a:avLst/>
+            </a:prstGeom>
+          </p:spPr>
+        </p:pic>
+        <p:pic>
+          <p:nvPicPr>
+            <p:cNvPr id="48" name="Image 47"/>
+            <p:cNvPicPr>
+              <a:picLocks noChangeAspect="1"/>
+            </p:cNvPicPr>
+            <p:nvPr/>
+          </p:nvPicPr>
+          <p:blipFill>
+            <a:blip r:embed="rId3"/>
+            <a:stretch>
+              <a:fillRect/>
+            </a:stretch>
+          </p:blipFill>
+          <p:spPr>
+            <a:xfrm>
+              <a:off x="3190805" y="2791140"/>
+              <a:ext cx="550286" cy="720000"/>
+            </a:xfrm>
+            <a:prstGeom prst="rect">
+              <a:avLst/>
+            </a:prstGeom>
+          </p:spPr>
+        </p:pic>
+        <p:pic>
+          <p:nvPicPr>
+            <p:cNvPr id="49" name="Image 48"/>
+            <p:cNvPicPr>
+              <a:picLocks noChangeAspect="1"/>
+            </p:cNvPicPr>
+            <p:nvPr/>
+          </p:nvPicPr>
+          <p:blipFill>
+            <a:blip r:embed="rId3"/>
+            <a:stretch>
+              <a:fillRect/>
+            </a:stretch>
+          </p:blipFill>
+          <p:spPr>
+            <a:xfrm>
+              <a:off x="3190805" y="1697755"/>
+              <a:ext cx="550286" cy="720000"/>
+            </a:xfrm>
+            <a:prstGeom prst="rect">
+              <a:avLst/>
+            </a:prstGeom>
+          </p:spPr>
+        </p:pic>
+        <p:pic>
+          <p:nvPicPr>
+            <p:cNvPr id="50" name="Image 49"/>
+            <p:cNvPicPr>
+              <a:picLocks noChangeAspect="1"/>
+            </p:cNvPicPr>
+            <p:nvPr/>
+          </p:nvPicPr>
+          <p:blipFill>
+            <a:blip r:embed="rId3"/>
+            <a:stretch>
+              <a:fillRect/>
+            </a:stretch>
+          </p:blipFill>
+          <p:spPr>
+            <a:xfrm>
+              <a:off x="4562438" y="2791140"/>
+              <a:ext cx="550286" cy="720000"/>
+            </a:xfrm>
+            <a:prstGeom prst="rect">
+              <a:avLst/>
+            </a:prstGeom>
+          </p:spPr>
+        </p:pic>
+      </p:grpSp>
     </p:spTree>
     <p:extLst>
       <p:ext uri="{BB962C8B-B14F-4D97-AF65-F5344CB8AC3E}">
